--- a/��Ŀ����ʵս/Lesson 11 �ȹ���Ŀ.pptx
+++ b/��Ŀ����ʵս/Lesson 11 �ȹ���Ŀ.pptx
@@ -26,10 +26,10 @@
     <p:sldId id="270" r:id="rId17"/>
     <p:sldId id="271" r:id="rId18"/>
     <p:sldId id="274" r:id="rId19"/>
-    <p:sldId id="275" r:id="rId20"/>
-    <p:sldId id="276" r:id="rId21"/>
-    <p:sldId id="277" r:id="rId22"/>
-    <p:sldId id="278" r:id="rId23"/>
+    <p:sldId id="276" r:id="rId20"/>
+    <p:sldId id="277" r:id="rId21"/>
+    <p:sldId id="278" r:id="rId22"/>
+    <p:sldId id="279" r:id="rId23"/>
   </p:sldIdLst>
   <p:sldSz cx="9144000" cy="6858000" type="screen4x3"/>
   <p:notesSz cx="6858000" cy="9144000"/>
@@ -317,11 +317,11 @@
         </c:dLbls>
         <c:marker val="1"/>
         <c:smooth val="0"/>
-        <c:axId val="131272064"/>
-        <c:axId val="132891776"/>
+        <c:axId val="118896512"/>
+        <c:axId val="118898048"/>
       </c:lineChart>
       <c:catAx>
-        <c:axId val="131272064"/>
+        <c:axId val="118896512"/>
         <c:scaling>
           <c:orientation val="minMax"/>
         </c:scaling>
@@ -331,7 +331,7 @@
         <c:majorTickMark val="out"/>
         <c:minorTickMark val="none"/>
         <c:tickLblPos val="nextTo"/>
-        <c:crossAx val="132891776"/>
+        <c:crossAx val="118898048"/>
         <c:crosses val="autoZero"/>
         <c:auto val="1"/>
         <c:lblAlgn val="ctr"/>
@@ -339,7 +339,7 @@
         <c:noMultiLvlLbl val="0"/>
       </c:catAx>
       <c:valAx>
-        <c:axId val="132891776"/>
+        <c:axId val="118898048"/>
         <c:scaling>
           <c:orientation val="minMax"/>
         </c:scaling>
@@ -350,7 +350,7 @@
         <c:majorTickMark val="out"/>
         <c:minorTickMark val="none"/>
         <c:tickLblPos val="nextTo"/>
-        <c:crossAx val="131272064"/>
+        <c:crossAx val="118896512"/>
         <c:crosses val="autoZero"/>
         <c:crossBetween val="between"/>
       </c:valAx>
@@ -574,11 +574,11 @@
         </c:dLbls>
         <c:marker val="1"/>
         <c:smooth val="0"/>
-        <c:axId val="159388416"/>
-        <c:axId val="159389952"/>
+        <c:axId val="123971456"/>
+        <c:axId val="123972992"/>
       </c:lineChart>
       <c:dateAx>
-        <c:axId val="159388416"/>
+        <c:axId val="123971456"/>
         <c:scaling>
           <c:orientation val="minMax"/>
         </c:scaling>
@@ -588,14 +588,14 @@
         <c:majorTickMark val="out"/>
         <c:minorTickMark val="none"/>
         <c:tickLblPos val="nextTo"/>
-        <c:crossAx val="159389952"/>
+        <c:crossAx val="123972992"/>
         <c:crosses val="autoZero"/>
         <c:auto val="1"/>
         <c:lblOffset val="100"/>
         <c:baseTimeUnit val="days"/>
       </c:dateAx>
       <c:valAx>
-        <c:axId val="159389952"/>
+        <c:axId val="123972992"/>
         <c:scaling>
           <c:orientation val="minMax"/>
         </c:scaling>
@@ -606,7 +606,7 @@
         <c:majorTickMark val="out"/>
         <c:minorTickMark val="none"/>
         <c:tickLblPos val="nextTo"/>
-        <c:crossAx val="159388416"/>
+        <c:crossAx val="123971456"/>
         <c:crosses val="autoZero"/>
         <c:crossBetween val="between"/>
       </c:valAx>
@@ -856,11 +856,11 @@
         </c:dLbls>
         <c:marker val="1"/>
         <c:smooth val="0"/>
-        <c:axId val="167181696"/>
-        <c:axId val="167319808"/>
+        <c:axId val="124396672"/>
+        <c:axId val="124398208"/>
       </c:lineChart>
       <c:catAx>
-        <c:axId val="167181696"/>
+        <c:axId val="124396672"/>
         <c:scaling>
           <c:orientation val="minMax"/>
         </c:scaling>
@@ -870,7 +870,7 @@
         <c:majorTickMark val="out"/>
         <c:minorTickMark val="none"/>
         <c:tickLblPos val="nextTo"/>
-        <c:crossAx val="167319808"/>
+        <c:crossAx val="124398208"/>
         <c:crosses val="autoZero"/>
         <c:auto val="1"/>
         <c:lblAlgn val="ctr"/>
@@ -878,7 +878,7 @@
         <c:noMultiLvlLbl val="0"/>
       </c:catAx>
       <c:valAx>
-        <c:axId val="167319808"/>
+        <c:axId val="124398208"/>
         <c:scaling>
           <c:orientation val="minMax"/>
         </c:scaling>
@@ -889,7 +889,7 @@
         <c:majorTickMark val="out"/>
         <c:minorTickMark val="none"/>
         <c:tickLblPos val="nextTo"/>
-        <c:crossAx val="167181696"/>
+        <c:crossAx val="124396672"/>
         <c:crosses val="autoZero"/>
         <c:crossBetween val="between"/>
       </c:valAx>
@@ -1239,11 +1239,11 @@
         </c:dLbls>
         <c:marker val="1"/>
         <c:smooth val="0"/>
-        <c:axId val="194562304"/>
-        <c:axId val="195735936"/>
+        <c:axId val="124433536"/>
+        <c:axId val="124435072"/>
       </c:lineChart>
       <c:catAx>
-        <c:axId val="194562304"/>
+        <c:axId val="124433536"/>
         <c:scaling>
           <c:orientation val="minMax"/>
         </c:scaling>
@@ -1253,7 +1253,7 @@
         <c:majorTickMark val="out"/>
         <c:minorTickMark val="none"/>
         <c:tickLblPos val="nextTo"/>
-        <c:crossAx val="195735936"/>
+        <c:crossAx val="124435072"/>
         <c:crosses val="autoZero"/>
         <c:auto val="1"/>
         <c:lblAlgn val="ctr"/>
@@ -1261,7 +1261,7 @@
         <c:noMultiLvlLbl val="0"/>
       </c:catAx>
       <c:valAx>
-        <c:axId val="195735936"/>
+        <c:axId val="124435072"/>
         <c:scaling>
           <c:orientation val="minMax"/>
         </c:scaling>
@@ -1272,7 +1272,7 @@
         <c:majorTickMark val="out"/>
         <c:minorTickMark val="none"/>
         <c:tickLblPos val="nextTo"/>
-        <c:crossAx val="194562304"/>
+        <c:crossAx val="124433536"/>
         <c:crosses val="autoZero"/>
         <c:crossBetween val="between"/>
       </c:valAx>
@@ -1505,11 +1505,11 @@
         </c:dLbls>
         <c:marker val="1"/>
         <c:smooth val="0"/>
-        <c:axId val="195943424"/>
-        <c:axId val="196308352"/>
+        <c:axId val="125002880"/>
+        <c:axId val="125004416"/>
       </c:lineChart>
       <c:catAx>
-        <c:axId val="195943424"/>
+        <c:axId val="125002880"/>
         <c:scaling>
           <c:orientation val="minMax"/>
         </c:scaling>
@@ -1518,7 +1518,7 @@
         <c:majorTickMark val="out"/>
         <c:minorTickMark val="none"/>
         <c:tickLblPos val="nextTo"/>
-        <c:crossAx val="196308352"/>
+        <c:crossAx val="125004416"/>
         <c:crosses val="autoZero"/>
         <c:auto val="1"/>
         <c:lblAlgn val="ctr"/>
@@ -1526,7 +1526,7 @@
         <c:noMultiLvlLbl val="0"/>
       </c:catAx>
       <c:valAx>
-        <c:axId val="196308352"/>
+        <c:axId val="125004416"/>
         <c:scaling>
           <c:orientation val="minMax"/>
         </c:scaling>
@@ -1537,7 +1537,7 @@
         <c:majorTickMark val="out"/>
         <c:minorTickMark val="none"/>
         <c:tickLblPos val="nextTo"/>
-        <c:crossAx val="195943424"/>
+        <c:crossAx val="125002880"/>
         <c:crosses val="autoZero"/>
         <c:crossBetween val="between"/>
       </c:valAx>
@@ -1648,8 +1648,8 @@
         </c:dLbls>
         <c:marker val="1"/>
         <c:smooth val="0"/>
-        <c:axId val="231342464"/>
-        <c:axId val="231344000"/>
+        <c:axId val="125044992"/>
+        <c:axId val="125046784"/>
       </c:lineChart>
       <c:lineChart>
         <c:grouping val="standard"/>
@@ -1725,11 +1725,11 @@
         </c:dLbls>
         <c:marker val="1"/>
         <c:smooth val="0"/>
-        <c:axId val="243541888"/>
-        <c:axId val="243539968"/>
+        <c:axId val="125049856"/>
+        <c:axId val="125048320"/>
       </c:lineChart>
       <c:catAx>
-        <c:axId val="231342464"/>
+        <c:axId val="125044992"/>
         <c:scaling>
           <c:orientation val="minMax"/>
         </c:scaling>
@@ -1738,7 +1738,7 @@
         <c:majorTickMark val="out"/>
         <c:minorTickMark val="none"/>
         <c:tickLblPos val="nextTo"/>
-        <c:crossAx val="231344000"/>
+        <c:crossAx val="125046784"/>
         <c:crosses val="autoZero"/>
         <c:auto val="1"/>
         <c:lblAlgn val="ctr"/>
@@ -1746,7 +1746,7 @@
         <c:noMultiLvlLbl val="0"/>
       </c:catAx>
       <c:valAx>
-        <c:axId val="231344000"/>
+        <c:axId val="125046784"/>
         <c:scaling>
           <c:orientation val="minMax"/>
         </c:scaling>
@@ -1757,12 +1757,12 @@
         <c:majorTickMark val="out"/>
         <c:minorTickMark val="none"/>
         <c:tickLblPos val="nextTo"/>
-        <c:crossAx val="231342464"/>
+        <c:crossAx val="125044992"/>
         <c:crosses val="autoZero"/>
         <c:crossBetween val="between"/>
       </c:valAx>
       <c:valAx>
-        <c:axId val="243539968"/>
+        <c:axId val="125048320"/>
         <c:scaling>
           <c:orientation val="minMax"/>
         </c:scaling>
@@ -1772,12 +1772,12 @@
         <c:majorTickMark val="out"/>
         <c:minorTickMark val="none"/>
         <c:tickLblPos val="nextTo"/>
-        <c:crossAx val="243541888"/>
+        <c:crossAx val="125049856"/>
         <c:crosses val="max"/>
         <c:crossBetween val="between"/>
       </c:valAx>
       <c:catAx>
-        <c:axId val="243541888"/>
+        <c:axId val="125049856"/>
         <c:scaling>
           <c:orientation val="minMax"/>
         </c:scaling>
@@ -1786,7 +1786,7 @@
         <c:majorTickMark val="out"/>
         <c:minorTickMark val="none"/>
         <c:tickLblPos val="nextTo"/>
-        <c:crossAx val="243539968"/>
+        <c:crossAx val="125048320"/>
         <c:crosses val="autoZero"/>
         <c:auto val="1"/>
         <c:lblAlgn val="ctr"/>
@@ -3468,23 +3468,23 @@
     </dgm:pt>
   </dgm:ptLst>
   <dgm:cxnLst>
+    <dgm:cxn modelId="{406968CC-3A1C-4F6D-9D98-C06B82F1B425}" type="presOf" srcId="{2E9E31E5-D127-4DB0-AA5C-02EE1DDB3ABB}" destId="{9AD44241-F165-40F0-AEEB-320C85B1B498}" srcOrd="0" destOrd="0" presId="urn:microsoft.com/office/officeart/2005/8/layout/architecture"/>
+    <dgm:cxn modelId="{8506E3D0-40F7-40B4-9FB1-7044CEE18CAE}" srcId="{53641403-995A-4CDF-A61A-887D5B7DD27B}" destId="{EC387836-3B8B-4F08-9539-79A813604E19}" srcOrd="0" destOrd="0" parTransId="{4380B22D-3C12-45F3-B061-E344DE776D8E}" sibTransId="{C649A3B8-8B52-4DEE-B873-5AD39D72D1B4}"/>
+    <dgm:cxn modelId="{7C4CD92F-986A-4716-8782-777AF6B736E9}" type="presOf" srcId="{53641403-995A-4CDF-A61A-887D5B7DD27B}" destId="{A494649C-CA8B-44DA-8AB8-27B0F27E4034}" srcOrd="0" destOrd="0" presId="urn:microsoft.com/office/officeart/2005/8/layout/architecture"/>
+    <dgm:cxn modelId="{7E0365C0-AFFF-464D-9E1A-8DB72ABF3B8B}" type="presOf" srcId="{E509A5F2-5610-4E25-9B82-577D9C481CF0}" destId="{AE83542D-FBBD-46F9-A3D5-D46294608998}" srcOrd="0" destOrd="0" presId="urn:microsoft.com/office/officeart/2005/8/layout/architecture"/>
+    <dgm:cxn modelId="{2C54658C-28EE-4CD1-8E8E-6B49FCAAFA13}" type="presOf" srcId="{93664792-7995-4CD3-BFC0-19C66BDC8661}" destId="{9F28BE77-AE11-4737-8176-0331930EE2A8}" srcOrd="0" destOrd="0" presId="urn:microsoft.com/office/officeart/2005/8/layout/architecture"/>
+    <dgm:cxn modelId="{7FA441D3-FB4C-44EF-9378-C1104E36BB33}" srcId="{53641403-995A-4CDF-A61A-887D5B7DD27B}" destId="{D1B30351-FA4E-43F7-AD6A-14C5D1B0ADB3}" srcOrd="2" destOrd="0" parTransId="{686B17DB-0BBE-48CE-AF7A-29417C826D10}" sibTransId="{91B79BA1-6C08-4FD1-8D9A-8B02F289FC91}"/>
+    <dgm:cxn modelId="{59B95E5A-7D45-4C17-BB69-8EAF89D9A784}" srcId="{10F08CEB-E72E-4E9D-A633-E95CED7D290C}" destId="{ED93CC0C-9F07-44E7-9171-F2784FE19FDA}" srcOrd="0" destOrd="0" parTransId="{AA36BC84-B77A-4F97-9B8F-4B9BB1E489BC}" sibTransId="{3D5842FD-EBED-4EB2-8CE1-C7C76A170347}"/>
+    <dgm:cxn modelId="{785F8A71-404D-4C85-8AF2-A9B47F2DFFA4}" srcId="{EC387836-3B8B-4F08-9539-79A813604E19}" destId="{BE060D48-1236-418A-9570-389BA3D8A8BD}" srcOrd="0" destOrd="0" parTransId="{857826DC-FAAC-416B-AF1B-BA678D77A10C}" sibTransId="{95DB9E20-8B93-44D1-ABC8-8A063323C33B}"/>
+    <dgm:cxn modelId="{8C1A0567-C9FD-4C5F-A4DC-BF654FB954C9}" type="presOf" srcId="{ED93CC0C-9F07-44E7-9171-F2784FE19FDA}" destId="{38F68EE0-4328-4097-9A9C-DBBC84675373}" srcOrd="0" destOrd="0" presId="urn:microsoft.com/office/officeart/2005/8/layout/architecture"/>
+    <dgm:cxn modelId="{20C9B6EA-12B7-4C98-AA26-A31E5DD06939}" type="presOf" srcId="{EC387836-3B8B-4F08-9539-79A813604E19}" destId="{9C41183E-6785-484C-A65D-66BEB0D3BD9C}" srcOrd="0" destOrd="0" presId="urn:microsoft.com/office/officeart/2005/8/layout/architecture"/>
+    <dgm:cxn modelId="{99B9D154-A0B5-450A-8E13-F5D5011272DD}" srcId="{EC387836-3B8B-4F08-9539-79A813604E19}" destId="{93664792-7995-4CD3-BFC0-19C66BDC8661}" srcOrd="1" destOrd="0" parTransId="{47E2646E-F97A-467B-8C9F-DBC26CC54CEE}" sibTransId="{EC907107-4D67-4C6E-ADDA-C54BBC66DD3B}"/>
+    <dgm:cxn modelId="{C8C248FF-5936-4B18-A56E-75F4A8663F69}" type="presOf" srcId="{10F08CEB-E72E-4E9D-A633-E95CED7D290C}" destId="{43462FE8-DE5E-44E9-AF5F-55DF6188CE12}" srcOrd="0" destOrd="0" presId="urn:microsoft.com/office/officeart/2005/8/layout/architecture"/>
     <dgm:cxn modelId="{13933C42-015A-4D7F-B6FA-65A02AA3FC37}" type="presOf" srcId="{D1B30351-FA4E-43F7-AD6A-14C5D1B0ADB3}" destId="{B3C8511F-405B-4013-A7A4-D98D2252EB90}" srcOrd="0" destOrd="0" presId="urn:microsoft.com/office/officeart/2005/8/layout/architecture"/>
-    <dgm:cxn modelId="{7FA441D3-FB4C-44EF-9378-C1104E36BB33}" srcId="{53641403-995A-4CDF-A61A-887D5B7DD27B}" destId="{D1B30351-FA4E-43F7-AD6A-14C5D1B0ADB3}" srcOrd="2" destOrd="0" parTransId="{686B17DB-0BBE-48CE-AF7A-29417C826D10}" sibTransId="{91B79BA1-6C08-4FD1-8D9A-8B02F289FC91}"/>
-    <dgm:cxn modelId="{20C9B6EA-12B7-4C98-AA26-A31E5DD06939}" type="presOf" srcId="{EC387836-3B8B-4F08-9539-79A813604E19}" destId="{9C41183E-6785-484C-A65D-66BEB0D3BD9C}" srcOrd="0" destOrd="0" presId="urn:microsoft.com/office/officeart/2005/8/layout/architecture"/>
-    <dgm:cxn modelId="{785F8A71-404D-4C85-8AF2-A9B47F2DFFA4}" srcId="{EC387836-3B8B-4F08-9539-79A813604E19}" destId="{BE060D48-1236-418A-9570-389BA3D8A8BD}" srcOrd="0" destOrd="0" parTransId="{857826DC-FAAC-416B-AF1B-BA678D77A10C}" sibTransId="{95DB9E20-8B93-44D1-ABC8-8A063323C33B}"/>
-    <dgm:cxn modelId="{8506E3D0-40F7-40B4-9FB1-7044CEE18CAE}" srcId="{53641403-995A-4CDF-A61A-887D5B7DD27B}" destId="{EC387836-3B8B-4F08-9539-79A813604E19}" srcOrd="0" destOrd="0" parTransId="{4380B22D-3C12-45F3-B061-E344DE776D8E}" sibTransId="{C649A3B8-8B52-4DEE-B873-5AD39D72D1B4}"/>
+    <dgm:cxn modelId="{C05E1CC5-FA71-49B7-B239-BB238FA46EB6}" srcId="{D1B30351-FA4E-43F7-AD6A-14C5D1B0ADB3}" destId="{2E9E31E5-D127-4DB0-AA5C-02EE1DDB3ABB}" srcOrd="0" destOrd="0" parTransId="{554CB847-7C67-4DD6-8B64-3799F6844943}" sibTransId="{732F770C-647D-4C49-B06B-28FD004FC867}"/>
+    <dgm:cxn modelId="{3A063E38-BB28-4FEA-B16D-302D5BE55BF1}" srcId="{53641403-995A-4CDF-A61A-887D5B7DD27B}" destId="{10F08CEB-E72E-4E9D-A633-E95CED7D290C}" srcOrd="1" destOrd="0" parTransId="{5273312B-7725-4AC4-BD9B-B963FC4B1F40}" sibTransId="{77346AD7-2E31-434C-BC67-6DB4F9A0D4C8}"/>
     <dgm:cxn modelId="{EA54BAD9-A5EF-401C-9F76-125E375E9F84}" srcId="{E509A5F2-5610-4E25-9B82-577D9C481CF0}" destId="{53641403-995A-4CDF-A61A-887D5B7DD27B}" srcOrd="0" destOrd="0" parTransId="{F739DDF7-94EA-42C7-B54A-A5773017B7F8}" sibTransId="{583570E3-329C-4852-AB5F-9BB011FD64D6}"/>
-    <dgm:cxn modelId="{C05E1CC5-FA71-49B7-B239-BB238FA46EB6}" srcId="{D1B30351-FA4E-43F7-AD6A-14C5D1B0ADB3}" destId="{2E9E31E5-D127-4DB0-AA5C-02EE1DDB3ABB}" srcOrd="0" destOrd="0" parTransId="{554CB847-7C67-4DD6-8B64-3799F6844943}" sibTransId="{732F770C-647D-4C49-B06B-28FD004FC867}"/>
-    <dgm:cxn modelId="{99B9D154-A0B5-450A-8E13-F5D5011272DD}" srcId="{EC387836-3B8B-4F08-9539-79A813604E19}" destId="{93664792-7995-4CD3-BFC0-19C66BDC8661}" srcOrd="1" destOrd="0" parTransId="{47E2646E-F97A-467B-8C9F-DBC26CC54CEE}" sibTransId="{EC907107-4D67-4C6E-ADDA-C54BBC66DD3B}"/>
-    <dgm:cxn modelId="{406968CC-3A1C-4F6D-9D98-C06B82F1B425}" type="presOf" srcId="{2E9E31E5-D127-4DB0-AA5C-02EE1DDB3ABB}" destId="{9AD44241-F165-40F0-AEEB-320C85B1B498}" srcOrd="0" destOrd="0" presId="urn:microsoft.com/office/officeart/2005/8/layout/architecture"/>
-    <dgm:cxn modelId="{7C4CD92F-986A-4716-8782-777AF6B736E9}" type="presOf" srcId="{53641403-995A-4CDF-A61A-887D5B7DD27B}" destId="{A494649C-CA8B-44DA-8AB8-27B0F27E4034}" srcOrd="0" destOrd="0" presId="urn:microsoft.com/office/officeart/2005/8/layout/architecture"/>
-    <dgm:cxn modelId="{2C54658C-28EE-4CD1-8E8E-6B49FCAAFA13}" type="presOf" srcId="{93664792-7995-4CD3-BFC0-19C66BDC8661}" destId="{9F28BE77-AE11-4737-8176-0331930EE2A8}" srcOrd="0" destOrd="0" presId="urn:microsoft.com/office/officeart/2005/8/layout/architecture"/>
-    <dgm:cxn modelId="{59B95E5A-7D45-4C17-BB69-8EAF89D9A784}" srcId="{10F08CEB-E72E-4E9D-A633-E95CED7D290C}" destId="{ED93CC0C-9F07-44E7-9171-F2784FE19FDA}" srcOrd="0" destOrd="0" parTransId="{AA36BC84-B77A-4F97-9B8F-4B9BB1E489BC}" sibTransId="{3D5842FD-EBED-4EB2-8CE1-C7C76A170347}"/>
-    <dgm:cxn modelId="{C8C248FF-5936-4B18-A56E-75F4A8663F69}" type="presOf" srcId="{10F08CEB-E72E-4E9D-A633-E95CED7D290C}" destId="{43462FE8-DE5E-44E9-AF5F-55DF6188CE12}" srcOrd="0" destOrd="0" presId="urn:microsoft.com/office/officeart/2005/8/layout/architecture"/>
     <dgm:cxn modelId="{3E979BCF-B0BD-4EF0-B2CB-E75A8FBC3D7F}" type="presOf" srcId="{BE060D48-1236-418A-9570-389BA3D8A8BD}" destId="{57F8B10B-F720-4298-927F-C1BA0C2E88B1}" srcOrd="0" destOrd="0" presId="urn:microsoft.com/office/officeart/2005/8/layout/architecture"/>
-    <dgm:cxn modelId="{7E0365C0-AFFF-464D-9E1A-8DB72ABF3B8B}" type="presOf" srcId="{E509A5F2-5610-4E25-9B82-577D9C481CF0}" destId="{AE83542D-FBBD-46F9-A3D5-D46294608998}" srcOrd="0" destOrd="0" presId="urn:microsoft.com/office/officeart/2005/8/layout/architecture"/>
-    <dgm:cxn modelId="{8C1A0567-C9FD-4C5F-A4DC-BF654FB954C9}" type="presOf" srcId="{ED93CC0C-9F07-44E7-9171-F2784FE19FDA}" destId="{38F68EE0-4328-4097-9A9C-DBBC84675373}" srcOrd="0" destOrd="0" presId="urn:microsoft.com/office/officeart/2005/8/layout/architecture"/>
-    <dgm:cxn modelId="{3A063E38-BB28-4FEA-B16D-302D5BE55BF1}" srcId="{53641403-995A-4CDF-A61A-887D5B7DD27B}" destId="{10F08CEB-E72E-4E9D-A633-E95CED7D290C}" srcOrd="1" destOrd="0" parTransId="{5273312B-7725-4AC4-BD9B-B963FC4B1F40}" sibTransId="{77346AD7-2E31-434C-BC67-6DB4F9A0D4C8}"/>
     <dgm:cxn modelId="{ED143B81-37A2-48D1-B8C6-96D1FD556D7F}" type="presParOf" srcId="{AE83542D-FBBD-46F9-A3D5-D46294608998}" destId="{B6899C98-EB9D-4CE1-AB94-FB0F071568A9}" srcOrd="0" destOrd="0" presId="urn:microsoft.com/office/officeart/2005/8/layout/architecture"/>
     <dgm:cxn modelId="{065ACFC8-8BEA-4202-87EB-306EF4B01EA2}" type="presParOf" srcId="{B6899C98-EB9D-4CE1-AB94-FB0F071568A9}" destId="{A494649C-CA8B-44DA-8AB8-27B0F27E4034}" srcOrd="0" destOrd="0" presId="urn:microsoft.com/office/officeart/2005/8/layout/architecture"/>
     <dgm:cxn modelId="{A8009326-85EB-4DC7-8178-327514A63C91}" type="presParOf" srcId="{B6899C98-EB9D-4CE1-AB94-FB0F071568A9}" destId="{18CA43CE-E914-42B6-8954-F5E2897CF618}" srcOrd="1" destOrd="0" presId="urn:microsoft.com/office/officeart/2005/8/layout/architecture"/>
@@ -3748,12 +3748,12 @@
         </a:fontRef>
       </dsp:style>
       <dsp:txBody>
-        <a:bodyPr spcFirstLastPara="0" vert="horz" wrap="square" lIns="99060" tIns="99060" rIns="99060" bIns="99060" numCol="1" spcCol="1270" anchor="ctr" anchorCtr="0">
+        <a:bodyPr spcFirstLastPara="0" vert="horz" wrap="square" lIns="91440" tIns="91440" rIns="91440" bIns="91440" numCol="1" spcCol="1270" anchor="ctr" anchorCtr="0">
           <a:noAutofit/>
         </a:bodyPr>
         <a:lstStyle/>
         <a:p>
-          <a:pPr lvl="0" algn="ctr" defTabSz="1155700">
+          <a:pPr lvl="0" algn="ctr" defTabSz="1066800">
             <a:lnSpc>
               <a:spcPct val="90000"/>
             </a:lnSpc>
@@ -3765,10 +3765,10 @@
             </a:spcAft>
           </a:pPr>
           <a:r>
-            <a:rPr lang="zh-CN" altLang="en-US" sz="2600" kern="1200" dirty="0" smtClean="0"/>
+            <a:rPr lang="zh-CN" altLang="en-US" sz="2400" kern="1200" dirty="0" smtClean="0"/>
             <a:t>工作流引擎</a:t>
           </a:r>
-          <a:endParaRPr lang="zh-CN" altLang="en-US" sz="2600" kern="1200" dirty="0"/>
+          <a:endParaRPr lang="zh-CN" altLang="en-US" sz="2400" kern="1200" dirty="0"/>
         </a:p>
       </dsp:txBody>
       <dsp:txXfrm>
@@ -3827,12 +3827,12 @@
         </a:fontRef>
       </dsp:style>
       <dsp:txBody>
-        <a:bodyPr spcFirstLastPara="0" vert="horz" wrap="square" lIns="99060" tIns="99060" rIns="99060" bIns="99060" numCol="1" spcCol="1270" anchor="ctr" anchorCtr="0">
+        <a:bodyPr spcFirstLastPara="0" vert="horz" wrap="square" lIns="91440" tIns="91440" rIns="91440" bIns="91440" numCol="1" spcCol="1270" anchor="ctr" anchorCtr="0">
           <a:noAutofit/>
         </a:bodyPr>
         <a:lstStyle/>
         <a:p>
-          <a:pPr lvl="0" algn="ctr" defTabSz="1155700">
+          <a:pPr lvl="0" algn="ctr" defTabSz="1066800">
             <a:lnSpc>
               <a:spcPct val="90000"/>
             </a:lnSpc>
@@ -3844,14 +3844,14 @@
             </a:spcAft>
           </a:pPr>
           <a:r>
-            <a:rPr lang="zh-CN" altLang="en-US" sz="2600" kern="1200" dirty="0" smtClean="0"/>
+            <a:rPr lang="zh-CN" altLang="en-US" sz="2400" kern="1200" dirty="0" smtClean="0"/>
             <a:t>企业总线</a:t>
           </a:r>
           <a:r>
-            <a:rPr lang="en-US" altLang="zh-CN" sz="2600" kern="1200" dirty="0" smtClean="0"/>
+            <a:rPr lang="en-US" altLang="zh-CN" sz="2400" kern="1200" dirty="0" smtClean="0"/>
             <a:t>(ESB)</a:t>
           </a:r>
-          <a:endParaRPr lang="zh-CN" altLang="en-US" sz="2600" kern="1200" dirty="0"/>
+          <a:endParaRPr lang="zh-CN" altLang="en-US" sz="2400" kern="1200" dirty="0"/>
         </a:p>
       </dsp:txBody>
       <dsp:txXfrm>
@@ -3989,12 +3989,12 @@
         </a:fontRef>
       </dsp:style>
       <dsp:txBody>
-        <a:bodyPr spcFirstLastPara="0" vert="horz" wrap="square" lIns="99060" tIns="99060" rIns="99060" bIns="99060" numCol="1" spcCol="1270" anchor="ctr" anchorCtr="0">
+        <a:bodyPr spcFirstLastPara="0" vert="horz" wrap="square" lIns="91440" tIns="91440" rIns="91440" bIns="91440" numCol="1" spcCol="1270" anchor="ctr" anchorCtr="0">
           <a:noAutofit/>
         </a:bodyPr>
         <a:lstStyle/>
         <a:p>
-          <a:pPr lvl="0" algn="ctr" defTabSz="1155700">
+          <a:pPr lvl="0" algn="ctr" defTabSz="1066800">
             <a:lnSpc>
               <a:spcPct val="90000"/>
             </a:lnSpc>
@@ -4006,30 +4006,30 @@
             </a:spcAft>
           </a:pPr>
           <a:r>
-            <a:rPr lang="zh-CN" altLang="en-US" sz="2600" kern="1200" dirty="0" smtClean="0"/>
+            <a:rPr lang="zh-CN" altLang="en-US" sz="2400" kern="1200" dirty="0" smtClean="0"/>
             <a:t>其他编译器</a:t>
           </a:r>
           <a:r>
-            <a:rPr lang="en-US" altLang="zh-CN" sz="2600" kern="1200" dirty="0" smtClean="0"/>
+            <a:rPr lang="en-US" altLang="zh-CN" sz="2400" kern="1200" dirty="0" smtClean="0"/>
             <a:t>(</a:t>
           </a:r>
           <a:r>
-            <a:rPr lang="zh-CN" altLang="en-US" sz="2600" kern="1200" dirty="0" smtClean="0"/>
+            <a:rPr lang="zh-CN" altLang="en-US" sz="2400" kern="1200" dirty="0" smtClean="0"/>
             <a:t>如界面、</a:t>
           </a:r>
           <a:r>
-            <a:rPr lang="en-US" altLang="zh-CN" sz="2600" kern="1200" dirty="0" err="1" smtClean="0"/>
+            <a:rPr lang="en-US" altLang="zh-CN" sz="2400" kern="1200" dirty="0" err="1" smtClean="0"/>
             <a:t>Js</a:t>
           </a:r>
           <a:r>
-            <a:rPr lang="zh-CN" altLang="en-US" sz="2600" kern="1200" dirty="0" smtClean="0"/>
+            <a:rPr lang="zh-CN" altLang="en-US" sz="2400" kern="1200" dirty="0" smtClean="0"/>
             <a:t>代理等</a:t>
           </a:r>
           <a:r>
-            <a:rPr lang="en-US" altLang="zh-CN" sz="2600" kern="1200" dirty="0" smtClean="0"/>
+            <a:rPr lang="en-US" altLang="zh-CN" sz="2400" kern="1200" dirty="0" smtClean="0"/>
             <a:t>)</a:t>
           </a:r>
-          <a:endParaRPr lang="zh-CN" altLang="en-US" sz="2600" kern="1200" dirty="0"/>
+          <a:endParaRPr lang="zh-CN" altLang="en-US" sz="2400" kern="1200" dirty="0"/>
         </a:p>
       </dsp:txBody>
       <dsp:txXfrm>
@@ -4171,12 +4171,12 @@
         </a:fontRef>
       </dsp:style>
       <dsp:txBody>
-        <a:bodyPr spcFirstLastPara="0" vert="horz" wrap="square" lIns="99060" tIns="99060" rIns="99060" bIns="99060" numCol="1" spcCol="1270" anchor="ctr" anchorCtr="0">
+        <a:bodyPr spcFirstLastPara="0" vert="horz" wrap="square" lIns="91440" tIns="91440" rIns="91440" bIns="91440" numCol="1" spcCol="1270" anchor="ctr" anchorCtr="0">
           <a:noAutofit/>
         </a:bodyPr>
         <a:lstStyle/>
         <a:p>
-          <a:pPr lvl="0" algn="ctr" defTabSz="1155700">
+          <a:pPr lvl="0" algn="ctr" defTabSz="1066800">
             <a:lnSpc>
               <a:spcPct val="90000"/>
             </a:lnSpc>
@@ -4188,14 +4188,14 @@
             </a:spcAft>
           </a:pPr>
           <a:r>
-            <a:rPr lang="en-US" altLang="zh-CN" sz="2600" kern="1200" dirty="0" smtClean="0"/>
+            <a:rPr lang="en-US" altLang="zh-CN" sz="2400" kern="1200" dirty="0" smtClean="0"/>
             <a:t>SDK</a:t>
           </a:r>
           <a:r>
-            <a:rPr lang="zh-CN" altLang="en-US" sz="2600" kern="1200" dirty="0" smtClean="0"/>
+            <a:rPr lang="zh-CN" altLang="en-US" sz="2400" kern="1200" dirty="0" smtClean="0"/>
             <a:t>及命令行工具</a:t>
           </a:r>
-          <a:endParaRPr lang="zh-CN" altLang="en-US" sz="2600" kern="1200" dirty="0"/>
+          <a:endParaRPr lang="zh-CN" altLang="en-US" sz="2400" kern="1200" dirty="0"/>
         </a:p>
       </dsp:txBody>
       <dsp:txXfrm>
@@ -5845,7 +5845,7 @@
           <a:p>
             <a:fld id="{8B2801E3-CA6A-4A79-87E4-A028D49854B5}" type="datetimeFigureOut">
               <a:rPr lang="zh-CN" altLang="en-US" smtClean="0"/>
-              <a:t>2011/8/16</a:t>
+              <a:t>2011/8/17</a:t>
             </a:fld>
             <a:endParaRPr lang="zh-CN" altLang="en-US"/>
           </a:p>
@@ -6406,7 +6406,7 @@
           <a:p>
             <a:fld id="{530820CF-B880-4189-942D-D702A7CBA730}" type="datetimeFigureOut">
               <a:rPr lang="zh-CN" altLang="en-US" smtClean="0"/>
-              <a:t>2011/8/16</a:t>
+              <a:t>2011/8/17</a:t>
             </a:fld>
             <a:endParaRPr lang="zh-CN" altLang="en-US"/>
           </a:p>
@@ -6639,7 +6639,7 @@
           <a:p>
             <a:fld id="{530820CF-B880-4189-942D-D702A7CBA730}" type="datetimeFigureOut">
               <a:rPr lang="zh-CN" altLang="en-US" smtClean="0"/>
-              <a:t>2011/8/16</a:t>
+              <a:t>2011/8/17</a:t>
             </a:fld>
             <a:endParaRPr lang="zh-CN" altLang="en-US"/>
           </a:p>
@@ -6877,7 +6877,7 @@
           <a:p>
             <a:fld id="{530820CF-B880-4189-942D-D702A7CBA730}" type="datetimeFigureOut">
               <a:rPr lang="zh-CN" altLang="en-US" smtClean="0"/>
-              <a:t>2011/8/16</a:t>
+              <a:t>2011/8/17</a:t>
             </a:fld>
             <a:endParaRPr lang="zh-CN" altLang="en-US"/>
           </a:p>
@@ -7212,7 +7212,7 @@
           <a:p>
             <a:fld id="{530820CF-B880-4189-942D-D702A7CBA730}" type="datetimeFigureOut">
               <a:rPr lang="zh-CN" altLang="en-US" smtClean="0"/>
-              <a:t>2011/8/16</a:t>
+              <a:t>2011/8/17</a:t>
             </a:fld>
             <a:endParaRPr lang="zh-CN" altLang="en-US"/>
           </a:p>
@@ -7465,7 +7465,7 @@
           <a:p>
             <a:fld id="{530820CF-B880-4189-942D-D702A7CBA730}" type="datetimeFigureOut">
               <a:rPr lang="zh-CN" altLang="en-US" smtClean="0"/>
-              <a:t>2011/8/16</a:t>
+              <a:t>2011/8/17</a:t>
             </a:fld>
             <a:endParaRPr lang="zh-CN" altLang="en-US"/>
           </a:p>
@@ -7830,7 +7830,7 @@
           <a:p>
             <a:fld id="{530820CF-B880-4189-942D-D702A7CBA730}" type="datetimeFigureOut">
               <a:rPr lang="zh-CN" altLang="en-US" smtClean="0"/>
-              <a:t>2011/8/16</a:t>
+              <a:t>2011/8/17</a:t>
             </a:fld>
             <a:endParaRPr lang="zh-CN" altLang="en-US"/>
           </a:p>
@@ -8373,7 +8373,7 @@
           <a:p>
             <a:fld id="{530820CF-B880-4189-942D-D702A7CBA730}" type="datetimeFigureOut">
               <a:rPr lang="zh-CN" altLang="en-US" smtClean="0"/>
-              <a:t>2011/8/16</a:t>
+              <a:t>2011/8/17</a:t>
             </a:fld>
             <a:endParaRPr lang="zh-CN" altLang="en-US"/>
           </a:p>
@@ -8498,7 +8498,7 @@
           <a:p>
             <a:fld id="{530820CF-B880-4189-942D-D702A7CBA730}" type="datetimeFigureOut">
               <a:rPr lang="zh-CN" altLang="en-US" smtClean="0"/>
-              <a:t>2011/8/16</a:t>
+              <a:t>2011/8/17</a:t>
             </a:fld>
             <a:endParaRPr lang="zh-CN" altLang="en-US"/>
           </a:p>
@@ -8600,7 +8600,7 @@
           <a:p>
             <a:fld id="{530820CF-B880-4189-942D-D702A7CBA730}" type="datetimeFigureOut">
               <a:rPr lang="zh-CN" altLang="en-US" smtClean="0"/>
-              <a:t>2011/8/16</a:t>
+              <a:t>2011/8/17</a:t>
             </a:fld>
             <a:endParaRPr lang="zh-CN" altLang="en-US"/>
           </a:p>
@@ -8933,7 +8933,7 @@
           <a:p>
             <a:fld id="{530820CF-B880-4189-942D-D702A7CBA730}" type="datetimeFigureOut">
               <a:rPr lang="zh-CN" altLang="en-US" smtClean="0"/>
-              <a:t>2011/8/16</a:t>
+              <a:t>2011/8/17</a:t>
             </a:fld>
             <a:endParaRPr lang="zh-CN" altLang="en-US"/>
           </a:p>
@@ -9204,7 +9204,7 @@
           <a:p>
             <a:fld id="{530820CF-B880-4189-942D-D702A7CBA730}" type="datetimeFigureOut">
               <a:rPr lang="zh-CN" altLang="en-US" smtClean="0"/>
-              <a:t>2011/8/16</a:t>
+              <a:t>2011/8/17</a:t>
             </a:fld>
             <a:endParaRPr lang="zh-CN" altLang="en-US"/>
           </a:p>
@@ -9641,7 +9641,7 @@
           <a:p>
             <a:fld id="{530820CF-B880-4189-942D-D702A7CBA730}" type="datetimeFigureOut">
               <a:rPr lang="zh-CN" altLang="en-US" smtClean="0"/>
-              <a:t>2011/8/16</a:t>
+              <a:t>2011/8/17</a:t>
             </a:fld>
             <a:endParaRPr lang="zh-CN" altLang="en-US"/>
           </a:p>
@@ -11209,250 +11209,63 @@
       </p:grpSpPr>
       <p:sp>
         <p:nvSpPr>
-          <p:cNvPr id="4" name="内容占位符 2"/>
-          <p:cNvSpPr txBox="1">
-            <a:spLocks/>
+          <p:cNvPr id="2" name="标题 1"/>
+          <p:cNvSpPr>
+            <a:spLocks noGrp="1"/>
           </p:cNvSpPr>
-          <p:nvPr/>
+          <p:nvPr>
+            <p:ph type="title"/>
+          </p:nvPr>
         </p:nvSpPr>
-        <p:spPr>
-          <a:xfrm>
-            <a:off x="457200" y="2492896"/>
-            <a:ext cx="8229600" cy="4065588"/>
-          </a:xfrm>
-          <a:prstGeom prst="rect">
-            <a:avLst/>
-          </a:prstGeom>
-        </p:spPr>
+        <p:spPr/>
         <p:txBody>
-          <a:bodyPr vert="horz" lIns="91440" tIns="45720" rIns="91440" bIns="45720" rtlCol="0">
-            <a:normAutofit/>
-          </a:bodyPr>
-          <a:lstStyle>
-            <a:lvl1pPr marL="342900" indent="-342900" algn="l" defTabSz="914400" rtl="0" eaLnBrk="1" latinLnBrk="0" hangingPunct="1">
-              <a:lnSpc>
-                <a:spcPct val="150000"/>
-              </a:lnSpc>
-              <a:spcBef>
-                <a:spcPct val="20000"/>
-              </a:spcBef>
-              <a:buFont typeface="Arial" pitchFamily="34" charset="0"/>
-              <a:buChar char="•"/>
-              <a:defRPr lang="zh-CN" altLang="en-US" sz="3200" kern="1200" smtClean="0">
+          <a:bodyPr/>
+          <a:lstStyle/>
+          <a:p>
+            <a:r>
+              <a:rPr lang="zh-CN" altLang="en-US" dirty="0" smtClean="0">
                 <a:solidFill>
-                  <a:schemeClr val="tx1">
-                    <a:lumMod val="75000"/>
-                    <a:lumOff val="25000"/>
-                  </a:schemeClr>
+                  <a:schemeClr val="accent6"/>
                 </a:solidFill>
-                <a:effectLst>
-                  <a:outerShdw blurRad="38100" dist="38100" dir="2700000" algn="tl">
-                    <a:srgbClr val="000000">
-                      <a:alpha val="43137"/>
-                    </a:srgbClr>
-                  </a:outerShdw>
-                </a:effectLst>
-                <a:latin typeface="微软雅黑" pitchFamily="34" charset="-122"/>
-                <a:ea typeface="微软雅黑" pitchFamily="34" charset="-122"/>
-                <a:cs typeface="+mn-cs"/>
-              </a:defRPr>
-            </a:lvl1pPr>
-            <a:lvl2pPr marL="742950" indent="-285750" algn="l" defTabSz="914400" rtl="0" eaLnBrk="1" latinLnBrk="0" hangingPunct="1">
-              <a:lnSpc>
-                <a:spcPct val="150000"/>
-              </a:lnSpc>
-              <a:spcBef>
-                <a:spcPct val="20000"/>
-              </a:spcBef>
-              <a:buFont typeface="Arial" pitchFamily="34" charset="0"/>
-              <a:buChar char="–"/>
-              <a:defRPr lang="zh-CN" altLang="en-US" sz="2800" kern="1200" smtClean="0">
-                <a:solidFill>
-                  <a:schemeClr val="tx1">
-                    <a:lumMod val="75000"/>
-                    <a:lumOff val="25000"/>
-                  </a:schemeClr>
-                </a:solidFill>
-                <a:effectLst>
-                  <a:outerShdw blurRad="38100" dist="38100" dir="2700000" algn="tl">
-                    <a:srgbClr val="000000">
-                      <a:alpha val="43137"/>
-                    </a:srgbClr>
-                  </a:outerShdw>
-                </a:effectLst>
-                <a:latin typeface="微软雅黑" pitchFamily="34" charset="-122"/>
-                <a:ea typeface="微软雅黑" pitchFamily="34" charset="-122"/>
-                <a:cs typeface="+mn-cs"/>
-              </a:defRPr>
-            </a:lvl2pPr>
-            <a:lvl3pPr marL="1143000" indent="-228600" algn="l" defTabSz="914400" rtl="0" eaLnBrk="1" latinLnBrk="0" hangingPunct="1">
-              <a:lnSpc>
-                <a:spcPct val="150000"/>
-              </a:lnSpc>
-              <a:spcBef>
-                <a:spcPct val="20000"/>
-              </a:spcBef>
-              <a:buFont typeface="Arial" pitchFamily="34" charset="0"/>
-              <a:buChar char="•"/>
-              <a:defRPr lang="zh-CN" altLang="en-US" sz="2400" kern="1200" smtClean="0">
-                <a:solidFill>
-                  <a:schemeClr val="tx1">
-                    <a:lumMod val="75000"/>
-                    <a:lumOff val="25000"/>
-                  </a:schemeClr>
-                </a:solidFill>
-                <a:effectLst>
-                  <a:outerShdw blurRad="38100" dist="38100" dir="2700000" algn="tl">
-                    <a:srgbClr val="000000">
-                      <a:alpha val="43137"/>
-                    </a:srgbClr>
-                  </a:outerShdw>
-                </a:effectLst>
-                <a:latin typeface="微软雅黑" pitchFamily="34" charset="-122"/>
-                <a:ea typeface="微软雅黑" pitchFamily="34" charset="-122"/>
-                <a:cs typeface="+mn-cs"/>
-              </a:defRPr>
-            </a:lvl3pPr>
-            <a:lvl4pPr marL="1600200" indent="-228600" algn="l" defTabSz="914400" rtl="0" eaLnBrk="1" latinLnBrk="0" hangingPunct="1">
-              <a:lnSpc>
-                <a:spcPct val="150000"/>
-              </a:lnSpc>
-              <a:spcBef>
-                <a:spcPct val="20000"/>
-              </a:spcBef>
-              <a:buFont typeface="Arial" pitchFamily="34" charset="0"/>
-              <a:buChar char="–"/>
-              <a:defRPr lang="zh-CN" altLang="en-US" sz="2000" kern="1200" smtClean="0">
-                <a:solidFill>
-                  <a:schemeClr val="tx1">
-                    <a:lumMod val="75000"/>
-                    <a:lumOff val="25000"/>
-                  </a:schemeClr>
-                </a:solidFill>
-                <a:effectLst>
-                  <a:outerShdw blurRad="38100" dist="38100" dir="2700000" algn="tl">
-                    <a:srgbClr val="000000">
-                      <a:alpha val="43137"/>
-                    </a:srgbClr>
-                  </a:outerShdw>
-                </a:effectLst>
-                <a:latin typeface="微软雅黑" pitchFamily="34" charset="-122"/>
-                <a:ea typeface="微软雅黑" pitchFamily="34" charset="-122"/>
-                <a:cs typeface="+mn-cs"/>
-              </a:defRPr>
-            </a:lvl4pPr>
-            <a:lvl5pPr marL="2057400" indent="-228600" algn="l" defTabSz="914400" rtl="0" eaLnBrk="1" latinLnBrk="0" hangingPunct="1">
-              <a:lnSpc>
-                <a:spcPct val="150000"/>
-              </a:lnSpc>
-              <a:spcBef>
-                <a:spcPct val="20000"/>
-              </a:spcBef>
-              <a:buFont typeface="Arial" pitchFamily="34" charset="0"/>
-              <a:buChar char="»"/>
-              <a:defRPr lang="zh-CN" altLang="en-US" sz="2000" kern="1200">
-                <a:solidFill>
-                  <a:schemeClr val="tx1">
-                    <a:lumMod val="75000"/>
-                    <a:lumOff val="25000"/>
-                  </a:schemeClr>
-                </a:solidFill>
-                <a:effectLst>
-                  <a:outerShdw blurRad="38100" dist="38100" dir="2700000" algn="tl">
-                    <a:srgbClr val="000000">
-                      <a:alpha val="43137"/>
-                    </a:srgbClr>
-                  </a:outerShdw>
-                </a:effectLst>
-                <a:latin typeface="微软雅黑" pitchFamily="34" charset="-122"/>
-                <a:ea typeface="微软雅黑" pitchFamily="34" charset="-122"/>
-                <a:cs typeface="+mn-cs"/>
-              </a:defRPr>
-            </a:lvl5pPr>
-            <a:lvl6pPr marL="2514600" indent="-228600" algn="l" defTabSz="914400" rtl="0" eaLnBrk="1" latinLnBrk="0" hangingPunct="1">
-              <a:spcBef>
-                <a:spcPct val="20000"/>
-              </a:spcBef>
-              <a:buFont typeface="Arial" pitchFamily="34" charset="0"/>
-              <a:buChar char="•"/>
-              <a:defRPr sz="2000" kern="1200">
-                <a:solidFill>
-                  <a:schemeClr val="tx1"/>
-                </a:solidFill>
-                <a:latin typeface="+mn-lt"/>
-                <a:ea typeface="+mn-ea"/>
-                <a:cs typeface="+mn-cs"/>
-              </a:defRPr>
-            </a:lvl6pPr>
-            <a:lvl7pPr marL="2971800" indent="-228600" algn="l" defTabSz="914400" rtl="0" eaLnBrk="1" latinLnBrk="0" hangingPunct="1">
-              <a:spcBef>
-                <a:spcPct val="20000"/>
-              </a:spcBef>
-              <a:buFont typeface="Arial" pitchFamily="34" charset="0"/>
-              <a:buChar char="•"/>
-              <a:defRPr sz="2000" kern="1200">
-                <a:solidFill>
-                  <a:schemeClr val="tx1"/>
-                </a:solidFill>
-                <a:latin typeface="+mn-lt"/>
-                <a:ea typeface="+mn-ea"/>
-                <a:cs typeface="+mn-cs"/>
-              </a:defRPr>
-            </a:lvl7pPr>
-            <a:lvl8pPr marL="3429000" indent="-228600" algn="l" defTabSz="914400" rtl="0" eaLnBrk="1" latinLnBrk="0" hangingPunct="1">
-              <a:spcBef>
-                <a:spcPct val="20000"/>
-              </a:spcBef>
-              <a:buFont typeface="Arial" pitchFamily="34" charset="0"/>
-              <a:buChar char="•"/>
-              <a:defRPr sz="2000" kern="1200">
-                <a:solidFill>
-                  <a:schemeClr val="tx1"/>
-                </a:solidFill>
-                <a:latin typeface="+mn-lt"/>
-                <a:ea typeface="+mn-ea"/>
-                <a:cs typeface="+mn-cs"/>
-              </a:defRPr>
-            </a:lvl8pPr>
-            <a:lvl9pPr marL="3886200" indent="-228600" algn="l" defTabSz="914400" rtl="0" eaLnBrk="1" latinLnBrk="0" hangingPunct="1">
-              <a:spcBef>
-                <a:spcPct val="20000"/>
-              </a:spcBef>
-              <a:buFont typeface="Arial" pitchFamily="34" charset="0"/>
-              <a:buChar char="•"/>
-              <a:defRPr sz="2000" kern="1200">
-                <a:solidFill>
-                  <a:schemeClr val="tx1"/>
-                </a:solidFill>
-                <a:latin typeface="+mn-lt"/>
-                <a:ea typeface="+mn-ea"/>
-                <a:cs typeface="+mn-cs"/>
-              </a:defRPr>
-            </a:lvl9pPr>
-          </a:lstStyle>
-          <a:p>
-            <a:pPr marL="0" indent="0" algn="ctr">
-              <a:buFont typeface="Wingdings" pitchFamily="2" charset="2"/>
-              <a:buNone/>
-            </a:pPr>
-            <a:r>
-              <a:rPr lang="zh-CN" altLang="en-US" sz="4000" dirty="0" smtClean="0">
-                <a:latin typeface="华文行楷" pitchFamily="2" charset="-122"/>
-                <a:ea typeface="华文行楷" pitchFamily="2" charset="-122"/>
               </a:rPr>
-              <a:t>以项目创造价值，以教育开创未来</a:t>
-            </a:r>
-            <a:endParaRPr lang="zh-CN" altLang="en-US" sz="4000" dirty="0">
-              <a:latin typeface="华文行楷" pitchFamily="2" charset="-122"/>
-              <a:ea typeface="华文行楷" pitchFamily="2" charset="-122"/>
+              <a:t>后记</a:t>
+            </a:r>
+            <a:endParaRPr lang="zh-CN" altLang="en-US" dirty="0">
+              <a:solidFill>
+                <a:schemeClr val="accent6"/>
+              </a:solidFill>
             </a:endParaRPr>
+          </a:p>
+        </p:txBody>
+      </p:sp>
+      <p:sp>
+        <p:nvSpPr>
+          <p:cNvPr id="3" name="文本占位符 2"/>
+          <p:cNvSpPr>
+            <a:spLocks noGrp="1"/>
+          </p:cNvSpPr>
+          <p:nvPr>
+            <p:ph type="body" idx="1"/>
+          </p:nvPr>
+        </p:nvSpPr>
+        <p:spPr/>
+        <p:txBody>
+          <a:bodyPr/>
+          <a:lstStyle/>
+          <a:p>
+            <a:pPr algn="r"/>
+            <a:r>
+              <a:rPr lang="zh-CN" altLang="en-US" dirty="0" smtClean="0"/>
+              <a:t>请别走开</a:t>
+            </a:r>
+            <a:endParaRPr lang="zh-CN" altLang="en-US" dirty="0"/>
           </a:p>
         </p:txBody>
       </p:sp>
     </p:spTree>
     <p:extLst>
       <p:ext uri="{BB962C8B-B14F-4D97-AF65-F5344CB8AC3E}">
-        <p14:creationId xmlns:p14="http://schemas.microsoft.com/office/powerpoint/2010/main" val="2138462781"/>
+        <p14:creationId xmlns:p14="http://schemas.microsoft.com/office/powerpoint/2010/main" val="1107720559"/>
       </p:ext>
     </p:extLst>
   </p:cSld>
@@ -11462,9 +11275,88 @@
   <p:timing>
     <p:tnLst>
       <p:par>
-        <p:cTn id="1" dur="indefinite" restart="never" nodeType="tmRoot"/>
+        <p:cTn id="1" dur="indefinite" restart="never" nodeType="tmRoot">
+          <p:childTnLst>
+            <p:seq concurrent="1" nextAc="seek">
+              <p:cTn id="2" dur="indefinite" nodeType="mainSeq">
+                <p:childTnLst>
+                  <p:par>
+                    <p:cTn id="3" fill="hold">
+                      <p:stCondLst>
+                        <p:cond delay="indefinite"/>
+                      </p:stCondLst>
+                      <p:childTnLst>
+                        <p:par>
+                          <p:cTn id="4" fill="hold">
+                            <p:stCondLst>
+                              <p:cond delay="0"/>
+                            </p:stCondLst>
+                            <p:childTnLst>
+                              <p:par>
+                                <p:cTn id="5" presetID="14" presetClass="entr" presetSubtype="10" fill="hold" grpId="0" nodeType="clickEffect">
+                                  <p:stCondLst>
+                                    <p:cond delay="0"/>
+                                  </p:stCondLst>
+                                  <p:childTnLst>
+                                    <p:set>
+                                      <p:cBhvr>
+                                        <p:cTn id="6" dur="1" fill="hold">
+                                          <p:stCondLst>
+                                            <p:cond delay="0"/>
+                                          </p:stCondLst>
+                                        </p:cTn>
+                                        <p:tgtEl>
+                                          <p:spTgt spid="2"/>
+                                        </p:tgtEl>
+                                        <p:attrNameLst>
+                                          <p:attrName>style.visibility</p:attrName>
+                                        </p:attrNameLst>
+                                      </p:cBhvr>
+                                      <p:to>
+                                        <p:strVal val="visible"/>
+                                      </p:to>
+                                    </p:set>
+                                    <p:animEffect transition="in" filter="randombar(horizontal)">
+                                      <p:cBhvr>
+                                        <p:cTn id="7" dur="500"/>
+                                        <p:tgtEl>
+                                          <p:spTgt spid="2"/>
+                                        </p:tgtEl>
+                                      </p:cBhvr>
+                                    </p:animEffect>
+                                  </p:childTnLst>
+                                </p:cTn>
+                              </p:par>
+                            </p:childTnLst>
+                          </p:cTn>
+                        </p:par>
+                      </p:childTnLst>
+                    </p:cTn>
+                  </p:par>
+                </p:childTnLst>
+              </p:cTn>
+              <p:prevCondLst>
+                <p:cond evt="onPrev" delay="0">
+                  <p:tgtEl>
+                    <p:sldTgt/>
+                  </p:tgtEl>
+                </p:cond>
+              </p:prevCondLst>
+              <p:nextCondLst>
+                <p:cond evt="onNext" delay="0">
+                  <p:tgtEl>
+                    <p:sldTgt/>
+                  </p:tgtEl>
+                </p:cond>
+              </p:nextCondLst>
+            </p:seq>
+          </p:childTnLst>
+        </p:cTn>
       </p:par>
     </p:tnLst>
+    <p:bldLst>
+      <p:bldP spid="2" grpId="0"/>
+    </p:bldLst>
   </p:timing>
 </p:sld>
 </file>
@@ -13842,183 +13734,8 @@
           <a:lstStyle/>
           <a:p>
             <a:r>
-              <a:rPr lang="zh-CN" altLang="en-US" dirty="0" smtClean="0">
-                <a:solidFill>
-                  <a:schemeClr val="accent6"/>
-                </a:solidFill>
-              </a:rPr>
-              <a:t>后记</a:t>
-            </a:r>
-            <a:endParaRPr lang="zh-CN" altLang="en-US" dirty="0">
-              <a:solidFill>
-                <a:schemeClr val="accent6"/>
-              </a:solidFill>
-            </a:endParaRPr>
-          </a:p>
-        </p:txBody>
-      </p:sp>
-      <p:sp>
-        <p:nvSpPr>
-          <p:cNvPr id="3" name="文本占位符 2"/>
-          <p:cNvSpPr>
-            <a:spLocks noGrp="1"/>
-          </p:cNvSpPr>
-          <p:nvPr>
-            <p:ph type="body" idx="1"/>
-          </p:nvPr>
-        </p:nvSpPr>
-        <p:spPr/>
-        <p:txBody>
-          <a:bodyPr/>
-          <a:lstStyle/>
-          <a:p>
-            <a:pPr algn="r"/>
-            <a:r>
               <a:rPr lang="zh-CN" altLang="en-US" dirty="0" smtClean="0"/>
-              <a:t>请别走开</a:t>
-            </a:r>
-            <a:endParaRPr lang="zh-CN" altLang="en-US" dirty="0"/>
-          </a:p>
-        </p:txBody>
-      </p:sp>
-    </p:spTree>
-    <p:extLst>
-      <p:ext uri="{BB962C8B-B14F-4D97-AF65-F5344CB8AC3E}">
-        <p14:creationId xmlns:p14="http://schemas.microsoft.com/office/powerpoint/2010/main" val="1107720559"/>
-      </p:ext>
-    </p:extLst>
-  </p:cSld>
-  <p:clrMapOvr>
-    <a:masterClrMapping/>
-  </p:clrMapOvr>
-  <p:timing>
-    <p:tnLst>
-      <p:par>
-        <p:cTn id="1" dur="indefinite" restart="never" nodeType="tmRoot">
-          <p:childTnLst>
-            <p:seq concurrent="1" nextAc="seek">
-              <p:cTn id="2" dur="indefinite" nodeType="mainSeq">
-                <p:childTnLst>
-                  <p:par>
-                    <p:cTn id="3" fill="hold">
-                      <p:stCondLst>
-                        <p:cond delay="indefinite"/>
-                      </p:stCondLst>
-                      <p:childTnLst>
-                        <p:par>
-                          <p:cTn id="4" fill="hold">
-                            <p:stCondLst>
-                              <p:cond delay="0"/>
-                            </p:stCondLst>
-                            <p:childTnLst>
-                              <p:par>
-                                <p:cTn id="5" presetID="14" presetClass="entr" presetSubtype="10" fill="hold" grpId="0" nodeType="clickEffect">
-                                  <p:stCondLst>
-                                    <p:cond delay="0"/>
-                                  </p:stCondLst>
-                                  <p:childTnLst>
-                                    <p:set>
-                                      <p:cBhvr>
-                                        <p:cTn id="6" dur="1" fill="hold">
-                                          <p:stCondLst>
-                                            <p:cond delay="0"/>
-                                          </p:stCondLst>
-                                        </p:cTn>
-                                        <p:tgtEl>
-                                          <p:spTgt spid="2"/>
-                                        </p:tgtEl>
-                                        <p:attrNameLst>
-                                          <p:attrName>style.visibility</p:attrName>
-                                        </p:attrNameLst>
-                                      </p:cBhvr>
-                                      <p:to>
-                                        <p:strVal val="visible"/>
-                                      </p:to>
-                                    </p:set>
-                                    <p:animEffect transition="in" filter="randombar(horizontal)">
-                                      <p:cBhvr>
-                                        <p:cTn id="7" dur="500"/>
-                                        <p:tgtEl>
-                                          <p:spTgt spid="2"/>
-                                        </p:tgtEl>
-                                      </p:cBhvr>
-                                    </p:animEffect>
-                                  </p:childTnLst>
-                                </p:cTn>
-                              </p:par>
-                            </p:childTnLst>
-                          </p:cTn>
-                        </p:par>
-                      </p:childTnLst>
-                    </p:cTn>
-                  </p:par>
-                </p:childTnLst>
-              </p:cTn>
-              <p:prevCondLst>
-                <p:cond evt="onPrev" delay="0">
-                  <p:tgtEl>
-                    <p:sldTgt/>
-                  </p:tgtEl>
-                </p:cond>
-              </p:prevCondLst>
-              <p:nextCondLst>
-                <p:cond evt="onNext" delay="0">
-                  <p:tgtEl>
-                    <p:sldTgt/>
-                  </p:tgtEl>
-                </p:cond>
-              </p:nextCondLst>
-            </p:seq>
-          </p:childTnLst>
-        </p:cTn>
-      </p:par>
-    </p:tnLst>
-    <p:bldLst>
-      <p:bldP spid="2" grpId="0"/>
-    </p:bldLst>
-  </p:timing>
-</p:sld>
-</file>
-
-<file path=ppt/slides/slide21.xml><?xml version="1.0" encoding="utf-8"?>
-<p:sld xmlns:a="http://schemas.openxmlformats.org/drawingml/2006/main" xmlns:r="http://schemas.openxmlformats.org/officeDocument/2006/relationships" xmlns:p="http://schemas.openxmlformats.org/presentationml/2006/main">
-  <p:cSld>
-    <p:spTree>
-      <p:nvGrpSpPr>
-        <p:cNvPr id="1" name=""/>
-        <p:cNvGrpSpPr/>
-        <p:nvPr/>
-      </p:nvGrpSpPr>
-      <p:grpSpPr>
-        <a:xfrm>
-          <a:off x="0" y="0"/>
-          <a:ext cx="0" cy="0"/>
-          <a:chOff x="0" y="0"/>
-          <a:chExt cx="0" cy="0"/>
-        </a:xfrm>
-      </p:grpSpPr>
-      <p:sp>
-        <p:nvSpPr>
-          <p:cNvPr id="2" name="标题 1"/>
-          <p:cNvSpPr>
-            <a:spLocks noGrp="1"/>
-          </p:cNvSpPr>
-          <p:nvPr>
-            <p:ph type="title"/>
-          </p:nvPr>
-        </p:nvSpPr>
-        <p:spPr/>
-        <p:txBody>
-          <a:bodyPr/>
-          <a:lstStyle/>
-          <a:p>
-            <a:r>
-              <a:rPr lang="zh-CN" altLang="en-US" dirty="0" smtClean="0"/>
-              <a:t>补充话</a:t>
-            </a:r>
-            <a:r>
-              <a:rPr lang="zh-CN" altLang="en-US" dirty="0" smtClean="0"/>
-              <a:t>题</a:t>
+              <a:t>补充话题</a:t>
             </a:r>
             <a:endParaRPr lang="zh-CN" altLang="en-US" dirty="0"/>
           </a:p>
@@ -14060,11 +13777,7 @@
           <a:p>
             <a:r>
               <a:rPr lang="zh-CN" altLang="en-US" dirty="0" smtClean="0"/>
-              <a:t>领</a:t>
-            </a:r>
-            <a:r>
-              <a:rPr lang="zh-CN" altLang="en-US" dirty="0" smtClean="0"/>
-              <a:t>域编程及</a:t>
+              <a:t>领域编程及</a:t>
             </a:r>
             <a:r>
               <a:rPr lang="en-US" altLang="zh-CN" dirty="0" err="1" smtClean="0"/>
@@ -14406,7 +14119,7 @@
 </p:sld>
 </file>
 
-<file path=ppt/slides/slide22.xml><?xml version="1.0" encoding="utf-8"?>
+<file path=ppt/slides/slide21.xml><?xml version="1.0" encoding="utf-8"?>
 <p:sld xmlns:a="http://schemas.openxmlformats.org/drawingml/2006/main" xmlns:r="http://schemas.openxmlformats.org/officeDocument/2006/relationships" xmlns:p="http://schemas.openxmlformats.org/presentationml/2006/main">
   <p:cSld>
     <p:spTree>
@@ -14463,6 +14176,285 @@
     <p:extLst>
       <p:ext uri="{BB962C8B-B14F-4D97-AF65-F5344CB8AC3E}">
         <p14:creationId xmlns:p14="http://schemas.microsoft.com/office/powerpoint/2010/main" val="3132200447"/>
+      </p:ext>
+    </p:extLst>
+  </p:cSld>
+  <p:clrMapOvr>
+    <a:masterClrMapping/>
+  </p:clrMapOvr>
+  <p:timing>
+    <p:tnLst>
+      <p:par>
+        <p:cTn id="1" dur="indefinite" restart="never" nodeType="tmRoot"/>
+      </p:par>
+    </p:tnLst>
+  </p:timing>
+</p:sld>
+</file>
+
+<file path=ppt/slides/slide22.xml><?xml version="1.0" encoding="utf-8"?>
+<p:sld xmlns:a="http://schemas.openxmlformats.org/drawingml/2006/main" xmlns:r="http://schemas.openxmlformats.org/officeDocument/2006/relationships" xmlns:p="http://schemas.openxmlformats.org/presentationml/2006/main">
+  <p:cSld>
+    <p:spTree>
+      <p:nvGrpSpPr>
+        <p:cNvPr id="1" name=""/>
+        <p:cNvGrpSpPr/>
+        <p:nvPr/>
+      </p:nvGrpSpPr>
+      <p:grpSpPr>
+        <a:xfrm>
+          <a:off x="0" y="0"/>
+          <a:ext cx="0" cy="0"/>
+          <a:chOff x="0" y="0"/>
+          <a:chExt cx="0" cy="0"/>
+        </a:xfrm>
+      </p:grpSpPr>
+      <p:sp>
+        <p:nvSpPr>
+          <p:cNvPr id="4" name="内容占位符 2"/>
+          <p:cNvSpPr txBox="1">
+            <a:spLocks/>
+          </p:cNvSpPr>
+          <p:nvPr/>
+        </p:nvSpPr>
+        <p:spPr>
+          <a:xfrm>
+            <a:off x="457200" y="2492896"/>
+            <a:ext cx="8229600" cy="4065588"/>
+          </a:xfrm>
+          <a:prstGeom prst="rect">
+            <a:avLst/>
+          </a:prstGeom>
+        </p:spPr>
+        <p:txBody>
+          <a:bodyPr vert="horz" lIns="91440" tIns="45720" rIns="91440" bIns="45720" rtlCol="0">
+            <a:normAutofit/>
+          </a:bodyPr>
+          <a:lstStyle>
+            <a:lvl1pPr marL="342900" indent="-342900" algn="l" defTabSz="914400" rtl="0" eaLnBrk="1" latinLnBrk="0" hangingPunct="1">
+              <a:lnSpc>
+                <a:spcPct val="150000"/>
+              </a:lnSpc>
+              <a:spcBef>
+                <a:spcPct val="20000"/>
+              </a:spcBef>
+              <a:buFont typeface="Arial" pitchFamily="34" charset="0"/>
+              <a:buChar char="•"/>
+              <a:defRPr lang="zh-CN" altLang="en-US" sz="3200" kern="1200" smtClean="0">
+                <a:solidFill>
+                  <a:schemeClr val="tx1">
+                    <a:lumMod val="75000"/>
+                    <a:lumOff val="25000"/>
+                  </a:schemeClr>
+                </a:solidFill>
+                <a:effectLst>
+                  <a:outerShdw blurRad="38100" dist="38100" dir="2700000" algn="tl">
+                    <a:srgbClr val="000000">
+                      <a:alpha val="43137"/>
+                    </a:srgbClr>
+                  </a:outerShdw>
+                </a:effectLst>
+                <a:latin typeface="微软雅黑" pitchFamily="34" charset="-122"/>
+                <a:ea typeface="微软雅黑" pitchFamily="34" charset="-122"/>
+                <a:cs typeface="+mn-cs"/>
+              </a:defRPr>
+            </a:lvl1pPr>
+            <a:lvl2pPr marL="742950" indent="-285750" algn="l" defTabSz="914400" rtl="0" eaLnBrk="1" latinLnBrk="0" hangingPunct="1">
+              <a:lnSpc>
+                <a:spcPct val="150000"/>
+              </a:lnSpc>
+              <a:spcBef>
+                <a:spcPct val="20000"/>
+              </a:spcBef>
+              <a:buFont typeface="Arial" pitchFamily="34" charset="0"/>
+              <a:buChar char="–"/>
+              <a:defRPr lang="zh-CN" altLang="en-US" sz="2800" kern="1200" smtClean="0">
+                <a:solidFill>
+                  <a:schemeClr val="tx1">
+                    <a:lumMod val="75000"/>
+                    <a:lumOff val="25000"/>
+                  </a:schemeClr>
+                </a:solidFill>
+                <a:effectLst>
+                  <a:outerShdw blurRad="38100" dist="38100" dir="2700000" algn="tl">
+                    <a:srgbClr val="000000">
+                      <a:alpha val="43137"/>
+                    </a:srgbClr>
+                  </a:outerShdw>
+                </a:effectLst>
+                <a:latin typeface="微软雅黑" pitchFamily="34" charset="-122"/>
+                <a:ea typeface="微软雅黑" pitchFamily="34" charset="-122"/>
+                <a:cs typeface="+mn-cs"/>
+              </a:defRPr>
+            </a:lvl2pPr>
+            <a:lvl3pPr marL="1143000" indent="-228600" algn="l" defTabSz="914400" rtl="0" eaLnBrk="1" latinLnBrk="0" hangingPunct="1">
+              <a:lnSpc>
+                <a:spcPct val="150000"/>
+              </a:lnSpc>
+              <a:spcBef>
+                <a:spcPct val="20000"/>
+              </a:spcBef>
+              <a:buFont typeface="Arial" pitchFamily="34" charset="0"/>
+              <a:buChar char="•"/>
+              <a:defRPr lang="zh-CN" altLang="en-US" sz="2400" kern="1200" smtClean="0">
+                <a:solidFill>
+                  <a:schemeClr val="tx1">
+                    <a:lumMod val="75000"/>
+                    <a:lumOff val="25000"/>
+                  </a:schemeClr>
+                </a:solidFill>
+                <a:effectLst>
+                  <a:outerShdw blurRad="38100" dist="38100" dir="2700000" algn="tl">
+                    <a:srgbClr val="000000">
+                      <a:alpha val="43137"/>
+                    </a:srgbClr>
+                  </a:outerShdw>
+                </a:effectLst>
+                <a:latin typeface="微软雅黑" pitchFamily="34" charset="-122"/>
+                <a:ea typeface="微软雅黑" pitchFamily="34" charset="-122"/>
+                <a:cs typeface="+mn-cs"/>
+              </a:defRPr>
+            </a:lvl3pPr>
+            <a:lvl4pPr marL="1600200" indent="-228600" algn="l" defTabSz="914400" rtl="0" eaLnBrk="1" latinLnBrk="0" hangingPunct="1">
+              <a:lnSpc>
+                <a:spcPct val="150000"/>
+              </a:lnSpc>
+              <a:spcBef>
+                <a:spcPct val="20000"/>
+              </a:spcBef>
+              <a:buFont typeface="Arial" pitchFamily="34" charset="0"/>
+              <a:buChar char="–"/>
+              <a:defRPr lang="zh-CN" altLang="en-US" sz="2000" kern="1200" smtClean="0">
+                <a:solidFill>
+                  <a:schemeClr val="tx1">
+                    <a:lumMod val="75000"/>
+                    <a:lumOff val="25000"/>
+                  </a:schemeClr>
+                </a:solidFill>
+                <a:effectLst>
+                  <a:outerShdw blurRad="38100" dist="38100" dir="2700000" algn="tl">
+                    <a:srgbClr val="000000">
+                      <a:alpha val="43137"/>
+                    </a:srgbClr>
+                  </a:outerShdw>
+                </a:effectLst>
+                <a:latin typeface="微软雅黑" pitchFamily="34" charset="-122"/>
+                <a:ea typeface="微软雅黑" pitchFamily="34" charset="-122"/>
+                <a:cs typeface="+mn-cs"/>
+              </a:defRPr>
+            </a:lvl4pPr>
+            <a:lvl5pPr marL="2057400" indent="-228600" algn="l" defTabSz="914400" rtl="0" eaLnBrk="1" latinLnBrk="0" hangingPunct="1">
+              <a:lnSpc>
+                <a:spcPct val="150000"/>
+              </a:lnSpc>
+              <a:spcBef>
+                <a:spcPct val="20000"/>
+              </a:spcBef>
+              <a:buFont typeface="Arial" pitchFamily="34" charset="0"/>
+              <a:buChar char="»"/>
+              <a:defRPr lang="zh-CN" altLang="en-US" sz="2000" kern="1200">
+                <a:solidFill>
+                  <a:schemeClr val="tx1">
+                    <a:lumMod val="75000"/>
+                    <a:lumOff val="25000"/>
+                  </a:schemeClr>
+                </a:solidFill>
+                <a:effectLst>
+                  <a:outerShdw blurRad="38100" dist="38100" dir="2700000" algn="tl">
+                    <a:srgbClr val="000000">
+                      <a:alpha val="43137"/>
+                    </a:srgbClr>
+                  </a:outerShdw>
+                </a:effectLst>
+                <a:latin typeface="微软雅黑" pitchFamily="34" charset="-122"/>
+                <a:ea typeface="微软雅黑" pitchFamily="34" charset="-122"/>
+                <a:cs typeface="+mn-cs"/>
+              </a:defRPr>
+            </a:lvl5pPr>
+            <a:lvl6pPr marL="2514600" indent="-228600" algn="l" defTabSz="914400" rtl="0" eaLnBrk="1" latinLnBrk="0" hangingPunct="1">
+              <a:spcBef>
+                <a:spcPct val="20000"/>
+              </a:spcBef>
+              <a:buFont typeface="Arial" pitchFamily="34" charset="0"/>
+              <a:buChar char="•"/>
+              <a:defRPr sz="2000" kern="1200">
+                <a:solidFill>
+                  <a:schemeClr val="tx1"/>
+                </a:solidFill>
+                <a:latin typeface="+mn-lt"/>
+                <a:ea typeface="+mn-ea"/>
+                <a:cs typeface="+mn-cs"/>
+              </a:defRPr>
+            </a:lvl6pPr>
+            <a:lvl7pPr marL="2971800" indent="-228600" algn="l" defTabSz="914400" rtl="0" eaLnBrk="1" latinLnBrk="0" hangingPunct="1">
+              <a:spcBef>
+                <a:spcPct val="20000"/>
+              </a:spcBef>
+              <a:buFont typeface="Arial" pitchFamily="34" charset="0"/>
+              <a:buChar char="•"/>
+              <a:defRPr sz="2000" kern="1200">
+                <a:solidFill>
+                  <a:schemeClr val="tx1"/>
+                </a:solidFill>
+                <a:latin typeface="+mn-lt"/>
+                <a:ea typeface="+mn-ea"/>
+                <a:cs typeface="+mn-cs"/>
+              </a:defRPr>
+            </a:lvl7pPr>
+            <a:lvl8pPr marL="3429000" indent="-228600" algn="l" defTabSz="914400" rtl="0" eaLnBrk="1" latinLnBrk="0" hangingPunct="1">
+              <a:spcBef>
+                <a:spcPct val="20000"/>
+              </a:spcBef>
+              <a:buFont typeface="Arial" pitchFamily="34" charset="0"/>
+              <a:buChar char="•"/>
+              <a:defRPr sz="2000" kern="1200">
+                <a:solidFill>
+                  <a:schemeClr val="tx1"/>
+                </a:solidFill>
+                <a:latin typeface="+mn-lt"/>
+                <a:ea typeface="+mn-ea"/>
+                <a:cs typeface="+mn-cs"/>
+              </a:defRPr>
+            </a:lvl8pPr>
+            <a:lvl9pPr marL="3886200" indent="-228600" algn="l" defTabSz="914400" rtl="0" eaLnBrk="1" latinLnBrk="0" hangingPunct="1">
+              <a:spcBef>
+                <a:spcPct val="20000"/>
+              </a:spcBef>
+              <a:buFont typeface="Arial" pitchFamily="34" charset="0"/>
+              <a:buChar char="•"/>
+              <a:defRPr sz="2000" kern="1200">
+                <a:solidFill>
+                  <a:schemeClr val="tx1"/>
+                </a:solidFill>
+                <a:latin typeface="+mn-lt"/>
+                <a:ea typeface="+mn-ea"/>
+                <a:cs typeface="+mn-cs"/>
+              </a:defRPr>
+            </a:lvl9pPr>
+          </a:lstStyle>
+          <a:p>
+            <a:pPr marL="0" indent="0" algn="ctr">
+              <a:buFont typeface="Wingdings" pitchFamily="2" charset="2"/>
+              <a:buNone/>
+            </a:pPr>
+            <a:r>
+              <a:rPr lang="zh-CN" altLang="en-US" sz="4000" dirty="0" smtClean="0">
+                <a:latin typeface="华文行楷" pitchFamily="2" charset="-122"/>
+                <a:ea typeface="华文行楷" pitchFamily="2" charset="-122"/>
+              </a:rPr>
+              <a:t>以项目创造价值，以教育开创未来</a:t>
+            </a:r>
+            <a:endParaRPr lang="zh-CN" altLang="en-US" sz="4000" dirty="0">
+              <a:latin typeface="华文行楷" pitchFamily="2" charset="-122"/>
+              <a:ea typeface="华文行楷" pitchFamily="2" charset="-122"/>
+            </a:endParaRPr>
+          </a:p>
+        </p:txBody>
+      </p:sp>
+    </p:spTree>
+    <p:extLst>
+      <p:ext uri="{BB962C8B-B14F-4D97-AF65-F5344CB8AC3E}">
+        <p14:creationId xmlns:p14="http://schemas.microsoft.com/office/powerpoint/2010/main" val="1573258196"/>
       </p:ext>
     </p:extLst>
   </p:cSld>
